--- a/lessons_I/9-11/les_8/les_8_class_2.pptx
+++ b/lessons_I/9-11/les_8/les_8_class_2.pptx
@@ -263,8 +263,11 @@
     </a:lvl9pPr>
   </p:defaultTextStyle>
   <p:extLst>
+    <p:ext uri="{EFAFB233-063F-42B5-8137-9DF3F51BA10A}">
+      <p15:sldGuideLst xmlns:p15="http://schemas.microsoft.com/office/powerpoint/2012/main"/>
+    </p:ext>
     <p:ext uri="http://customooxmlschemas.google.com/">
-      <go:slidesCustomData xmlns:go="http://customooxmlschemas.google.com/" xmlns:p15="http://schemas.microsoft.com/office/powerpoint/2012/main" xmlns:p14="http://schemas.microsoft.com/office/powerpoint/2010/main" xmlns:com="http://schemas.openxmlformats.org/drawingml/2006/compatibility" xmlns:pvml="urn:schemas-microsoft-com:office:powerpoint" xmlns:v="urn:schemas-microsoft-com:vml" xmlns:o="urn:schemas-microsoft-com:office:office" xmlns:dgm="http://schemas.openxmlformats.org/drawingml/2006/diagram" xmlns:c="http://schemas.openxmlformats.org/drawingml/2006/chart" xmlns:mv="urn:schemas-microsoft-com:mac:vml" xmlns:mc="http://schemas.openxmlformats.org/markup-compatibility/2006" xmlns="" r:id="rId29" roundtripDataSignature="AMtx7mis0wEyGtWa4uSZyFAeWnSUJ6cv6g=="/>
+      <go:slidesCustomData xmlns="" xmlns:mc="http://schemas.openxmlformats.org/markup-compatibility/2006" xmlns:mv="urn:schemas-microsoft-com:mac:vml" xmlns:c="http://schemas.openxmlformats.org/drawingml/2006/chart" xmlns:dgm="http://schemas.openxmlformats.org/drawingml/2006/diagram" xmlns:o="urn:schemas-microsoft-com:office:office" xmlns:v="urn:schemas-microsoft-com:vml" xmlns:pvml="urn:schemas-microsoft-com:office:powerpoint" xmlns:com="http://schemas.openxmlformats.org/drawingml/2006/compatibility" xmlns:p14="http://schemas.microsoft.com/office/powerpoint/2010/main" xmlns:p15="http://schemas.microsoft.com/office/powerpoint/2012/main" xmlns:go="http://customooxmlschemas.google.com/" r:id="rId29" roundtripDataSignature="AMtx7mis0wEyGtWa4uSZyFAeWnSUJ6cv6g=="/>
     </p:ext>
   </p:extLst>
 </p:presentation>
@@ -286,7 +289,7 @@
         <p15:threadingInfo xmlns:p15="http://schemas.microsoft.com/office/powerpoint/2012/main" timeZoneBias="0"/>
       </p:ext>
       <p:ext uri="http://customooxmlschemas.google.com/">
-        <go:slidesCustomData xmlns:go="http://customooxmlschemas.google.com/" xmlns:p15="http://schemas.microsoft.com/office/powerpoint/2012/main" xmlns:p14="http://schemas.microsoft.com/office/powerpoint/2010/main" xmlns:com="http://schemas.openxmlformats.org/drawingml/2006/compatibility" xmlns:pvml="urn:schemas-microsoft-com:office:powerpoint" xmlns:v="urn:schemas-microsoft-com:vml" xmlns:o="urn:schemas-microsoft-com:office:office" xmlns:dgm="http://schemas.openxmlformats.org/drawingml/2006/diagram" xmlns:c="http://schemas.openxmlformats.org/drawingml/2006/chart" xmlns:mv="urn:schemas-microsoft-com:mac:vml" xmlns:mc="http://schemas.openxmlformats.org/markup-compatibility/2006" xmlns="" commentPostId="AAAADtNytHs"/>
+        <go:slidesCustomData xmlns="" xmlns:mc="http://schemas.openxmlformats.org/markup-compatibility/2006" xmlns:mv="urn:schemas-microsoft-com:mac:vml" xmlns:c="http://schemas.openxmlformats.org/drawingml/2006/chart" xmlns:dgm="http://schemas.openxmlformats.org/drawingml/2006/diagram" xmlns:o="urn:schemas-microsoft-com:office:office" xmlns:v="urn:schemas-microsoft-com:vml" xmlns:pvml="urn:schemas-microsoft-com:office:powerpoint" xmlns:com="http://schemas.openxmlformats.org/drawingml/2006/compatibility" xmlns:p14="http://schemas.microsoft.com/office/powerpoint/2010/main" xmlns:p15="http://schemas.microsoft.com/office/powerpoint/2012/main" xmlns:go="http://customooxmlschemas.google.com/" commentPostId="AAAADtNytHs"/>
       </p:ext>
     </p:extLst>
   </p:cm>
@@ -20011,7 +20014,7 @@
               <a:buNone/>
             </a:pPr>
             <a:r>
-              <a:rPr lang="ru-RU" sz="2400" b="0" i="0" u="none" strike="noStrike" cap="none">
+              <a:rPr lang="ru-RU" sz="2400" b="0" i="0" u="none" strike="noStrike" cap="none" dirty="0">
                 <a:solidFill>
                   <a:schemeClr val="dk1"/>
                 </a:solidFill>
@@ -20022,7 +20025,7 @@
               </a:rPr>
               <a:t>Композиция объектов.</a:t>
             </a:r>
-            <a:endParaRPr sz="2400" b="0" i="0" u="none" strike="noStrike" cap="none">
+            <a:endParaRPr sz="2400" b="0" i="0" u="none" strike="noStrike" cap="none" dirty="0">
               <a:solidFill>
                 <a:schemeClr val="dk1"/>
               </a:solidFill>
@@ -20873,7 +20876,7 @@
               <a:buNone/>
             </a:pPr>
             <a:r>
-              <a:rPr lang="ru-RU" sz="1800" b="0" i="0" u="none" strike="noStrike" cap="none">
+              <a:rPr lang="ru-RU" sz="1800" b="0" i="0" u="none" strike="noStrike" cap="none" dirty="0">
                 <a:solidFill>
                   <a:schemeClr val="dk1"/>
                 </a:solidFill>
@@ -20884,7 +20887,7 @@
               </a:rPr>
               <a:t>Имя у деструктора такое же, как и у класса, только с префиксом тильда (~).</a:t>
             </a:r>
-            <a:endParaRPr/>
+            <a:endParaRPr dirty="0"/>
           </a:p>
           <a:p>
             <a:pPr marL="0" marR="0" lvl="0" indent="0" algn="l" rtl="0">
@@ -20899,7 +20902,7 @@
               </a:spcAft>
               <a:buNone/>
             </a:pPr>
-            <a:endParaRPr sz="1800" b="0" i="0" u="none" strike="noStrike" cap="none">
+            <a:endParaRPr sz="1800" b="0" i="0" u="none" strike="noStrike" cap="none" dirty="0">
               <a:solidFill>
                 <a:schemeClr val="dk1"/>
               </a:solidFill>
@@ -21540,7 +21543,7 @@
         </p:nvSpPr>
         <p:spPr>
           <a:xfrm>
-            <a:off x="490869" y="1697760"/>
+            <a:off x="548886" y="1674360"/>
             <a:ext cx="5360874" cy="4932000"/>
           </a:xfrm>
           <a:prstGeom prst="rect">
@@ -21570,7 +21573,7 @@
               <a:buNone/>
             </a:pPr>
             <a:r>
-              <a:rPr lang="ru-RU" sz="1800" b="0" i="0" u="none" strike="noStrike" cap="none">
+              <a:rPr lang="ru-RU" sz="1800" b="1" i="0" u="none" strike="noStrike" cap="none" dirty="0" smtClean="0">
                 <a:solidFill>
                   <a:schemeClr val="dk1"/>
                 </a:solidFill>
@@ -21579,9 +21582,23 @@
                 <a:cs typeface="Calibri"/>
                 <a:sym typeface="Calibri"/>
               </a:rPr>
-              <a:t>C++ предоставляет удобный синтаксис для инициализации элементов класса, который называется списком инициализаторов (также называется инициализацией полей в конструкторе).</a:t>
+              <a:t>Список инициализации</a:t>
             </a:r>
-            <a:endParaRPr sz="1800" b="0" i="0" u="none" strike="noStrike" cap="none">
+          </a:p>
+          <a:p>
+            <a:pPr marL="0" marR="0" lvl="0" indent="0" algn="l" rtl="0">
+              <a:lnSpc>
+                <a:spcPct val="100000"/>
+              </a:lnSpc>
+              <a:spcBef>
+                <a:spcPts val="0"/>
+              </a:spcBef>
+              <a:spcAft>
+                <a:spcPts val="0"/>
+              </a:spcAft>
+              <a:buNone/>
+            </a:pPr>
+            <a:endParaRPr lang="ru-RU" sz="1800" b="0" i="0" u="none" strike="noStrike" cap="none" dirty="0" smtClean="0">
               <a:solidFill>
                 <a:schemeClr val="dk1"/>
               </a:solidFill>
@@ -21604,7 +21621,31 @@
               </a:spcAft>
               <a:buNone/>
             </a:pPr>
-            <a:endParaRPr sz="1800" b="0" i="0" u="none" strike="noStrike" cap="none">
+            <a:r>
+              <a:rPr lang="ru-RU" sz="1800" b="0" i="0" u="none" strike="noStrike" cap="none" dirty="0" smtClean="0">
+                <a:solidFill>
+                  <a:schemeClr val="dk1"/>
+                </a:solidFill>
+                <a:latin typeface="Calibri"/>
+                <a:ea typeface="Calibri"/>
+                <a:cs typeface="Calibri"/>
+                <a:sym typeface="Calibri"/>
+              </a:rPr>
+              <a:t>C</a:t>
+            </a:r>
+            <a:r>
+              <a:rPr lang="ru-RU" sz="1800" b="0" i="0" u="none" strike="noStrike" cap="none" dirty="0">
+                <a:solidFill>
+                  <a:schemeClr val="dk1"/>
+                </a:solidFill>
+                <a:latin typeface="Calibri"/>
+                <a:ea typeface="Calibri"/>
+                <a:cs typeface="Calibri"/>
+                <a:sym typeface="Calibri"/>
+              </a:rPr>
+              <a:t>++ предоставляет удобный синтаксис для инициализации элементов класса, который называется списком инициализаторов (также называется инициализацией полей в конструкторе).</a:t>
+            </a:r>
+            <a:endParaRPr sz="1800" b="0" i="0" u="none" strike="noStrike" cap="none" dirty="0">
               <a:solidFill>
                 <a:schemeClr val="dk1"/>
               </a:solidFill>
@@ -21627,8 +21668,31 @@
               </a:spcAft>
               <a:buNone/>
             </a:pPr>
+            <a:endParaRPr sz="1800" b="0" i="0" u="none" strike="noStrike" cap="none" dirty="0">
+              <a:solidFill>
+                <a:schemeClr val="dk1"/>
+              </a:solidFill>
+              <a:latin typeface="Calibri"/>
+              <a:ea typeface="Calibri"/>
+              <a:cs typeface="Calibri"/>
+              <a:sym typeface="Calibri"/>
+            </a:endParaRPr>
+          </a:p>
+          <a:p>
+            <a:pPr marL="0" marR="0" lvl="0" indent="0" algn="l" rtl="0">
+              <a:lnSpc>
+                <a:spcPct val="100000"/>
+              </a:lnSpc>
+              <a:spcBef>
+                <a:spcPts val="0"/>
+              </a:spcBef>
+              <a:spcAft>
+                <a:spcPts val="0"/>
+              </a:spcAft>
+              <a:buNone/>
+            </a:pPr>
             <a:r>
-              <a:rPr lang="ru-RU" sz="1800" b="0" i="0" u="none" strike="noStrike" cap="none">
+              <a:rPr lang="ru-RU" sz="1800" b="0" i="0" u="none" strike="noStrike" cap="none" dirty="0">
                 <a:solidFill>
                   <a:schemeClr val="dk1"/>
                 </a:solidFill>
@@ -21637,9 +21701,57 @@
                 <a:cs typeface="Calibri"/>
                 <a:sym typeface="Calibri"/>
               </a:rPr>
-              <a:t>Этот класс имеет две переменные, Var и constVar. У него также есть конструктор, который принимает два параметра, которые используются для инициализации переменных-членов. </a:t>
+              <a:t>Этот класс имеет две переменные, </a:t>
             </a:r>
-            <a:endParaRPr/>
+            <a:r>
+              <a:rPr lang="ru-RU" sz="1800" b="0" i="0" u="none" strike="noStrike" cap="none" dirty="0" err="1">
+                <a:solidFill>
+                  <a:schemeClr val="dk1"/>
+                </a:solidFill>
+                <a:latin typeface="Calibri"/>
+                <a:ea typeface="Calibri"/>
+                <a:cs typeface="Calibri"/>
+                <a:sym typeface="Calibri"/>
+              </a:rPr>
+              <a:t>Var</a:t>
+            </a:r>
+            <a:r>
+              <a:rPr lang="ru-RU" sz="1800" b="0" i="0" u="none" strike="noStrike" cap="none" dirty="0">
+                <a:solidFill>
+                  <a:schemeClr val="dk1"/>
+                </a:solidFill>
+                <a:latin typeface="Calibri"/>
+                <a:ea typeface="Calibri"/>
+                <a:cs typeface="Calibri"/>
+                <a:sym typeface="Calibri"/>
+              </a:rPr>
+              <a:t> и </a:t>
+            </a:r>
+            <a:r>
+              <a:rPr lang="ru-RU" sz="1800" b="0" i="0" u="none" strike="noStrike" cap="none" dirty="0" err="1">
+                <a:solidFill>
+                  <a:schemeClr val="dk1"/>
+                </a:solidFill>
+                <a:latin typeface="Calibri"/>
+                <a:ea typeface="Calibri"/>
+                <a:cs typeface="Calibri"/>
+                <a:sym typeface="Calibri"/>
+              </a:rPr>
+              <a:t>constVar</a:t>
+            </a:r>
+            <a:r>
+              <a:rPr lang="ru-RU" sz="1800" b="0" i="0" u="none" strike="noStrike" cap="none" dirty="0">
+                <a:solidFill>
+                  <a:schemeClr val="dk1"/>
+                </a:solidFill>
+                <a:latin typeface="Calibri"/>
+                <a:ea typeface="Calibri"/>
+                <a:cs typeface="Calibri"/>
+                <a:sym typeface="Calibri"/>
+              </a:rPr>
+              <a:t>. У него также есть конструктор, который принимает два параметра, которые используются для инициализации переменных-членов. </a:t>
+            </a:r>
+            <a:endParaRPr dirty="0"/>
           </a:p>
           <a:p>
             <a:pPr marL="0" marR="0" lvl="0" indent="0" algn="l" rtl="0">
@@ -21655,7 +21767,7 @@
               <a:buNone/>
             </a:pPr>
             <a:r>
-              <a:rPr lang="ru-RU" sz="1800" b="0" i="0" u="none" strike="noStrike" cap="none">
+              <a:rPr lang="ru-RU" sz="1800" b="0" i="0" u="none" strike="noStrike" cap="none" dirty="0">
                 <a:solidFill>
                   <a:schemeClr val="dk1"/>
                 </a:solidFill>
@@ -21666,23 +21778,8 @@
               </a:rPr>
               <a:t>Запуск этого кода возвращает ошибку, потому что одна из его переменных-членов является константой, к которой не может быть присвоено значение после объявления. </a:t>
             </a:r>
-            <a:endParaRPr/>
-          </a:p>
-          <a:p>
-            <a:pPr marL="0" marR="0" lvl="0" indent="0" algn="l" rtl="0">
-              <a:lnSpc>
-                <a:spcPct val="100000"/>
-              </a:lnSpc>
-              <a:spcBef>
-                <a:spcPts val="0"/>
-              </a:spcBef>
-              <a:spcAft>
-                <a:spcPts val="0"/>
-              </a:spcAft>
-              <a:buNone/>
-            </a:pPr>
             <a:r>
-              <a:rPr lang="ru-RU" sz="1800" b="0" i="0" u="none" strike="noStrike" cap="none">
+              <a:rPr lang="ru-RU" sz="1800" b="0" i="0" u="none" strike="noStrike" cap="none" dirty="0" smtClean="0">
                 <a:solidFill>
                   <a:schemeClr val="dk1"/>
                 </a:solidFill>
@@ -21691,25 +21788,10 @@
                 <a:cs typeface="Calibri"/>
                 <a:sym typeface="Calibri"/>
               </a:rPr>
-              <a:t> </a:t>
+              <a:t>В </a:t>
             </a:r>
-            <a:endParaRPr/>
-          </a:p>
-          <a:p>
-            <a:pPr marL="0" marR="0" lvl="0" indent="0" algn="l" rtl="0">
-              <a:lnSpc>
-                <a:spcPct val="100000"/>
-              </a:lnSpc>
-              <a:spcBef>
-                <a:spcPts val="0"/>
-              </a:spcBef>
-              <a:spcAft>
-                <a:spcPts val="0"/>
-              </a:spcAft>
-              <a:buNone/>
-            </a:pPr>
             <a:r>
-              <a:rPr lang="ru-RU" sz="1800" b="0" i="0" u="none" strike="noStrike" cap="none">
+              <a:rPr lang="ru-RU" sz="1800" b="0" i="0" u="none" strike="noStrike" cap="none" dirty="0">
                 <a:solidFill>
                   <a:schemeClr val="dk1"/>
                 </a:solidFill>
@@ -21718,9 +21800,9 @@
                 <a:cs typeface="Calibri"/>
                 <a:sym typeface="Calibri"/>
               </a:rPr>
-              <a:t>В таких случаях, список инициализаторов может быть использован для присваивания значений переменным-членам.</a:t>
+              <a:t>таких случаях, список инициализаторов может быть использован для присваивания значений переменным-членам.</a:t>
             </a:r>
-            <a:endParaRPr sz="1800" b="0" i="0" u="none" strike="noStrike" cap="none">
+            <a:endParaRPr sz="1800" b="0" i="0" u="none" strike="noStrike" cap="none" dirty="0">
               <a:solidFill>
                 <a:schemeClr val="dk1"/>
               </a:solidFill>
@@ -22356,7 +22438,7 @@
               <a:buNone/>
             </a:pPr>
             <a:r>
-              <a:rPr lang="ru-RU" sz="1800" b="0" i="0" u="none" strike="noStrike" cap="none">
+              <a:rPr lang="ru-RU" sz="1800" b="0" i="0" u="none" strike="noStrike" cap="none" dirty="0">
                 <a:solidFill>
                   <a:schemeClr val="dk1"/>
                 </a:solidFill>
@@ -22367,7 +22449,7 @@
               </a:rPr>
               <a:t>В этом синтаксисе список инициализации следует за параметрами конструктора. Список начинается с двоеточия (:), а затем следуют разделенные запятыми инициализируемые переменные вместе со значениями.  </a:t>
             </a:r>
-            <a:endParaRPr sz="1800" b="0" i="0" u="none" strike="noStrike" cap="none">
+            <a:endParaRPr sz="1800" b="0" i="0" u="none" strike="noStrike" cap="none" dirty="0">
               <a:solidFill>
                 <a:schemeClr val="dk1"/>
               </a:solidFill>
@@ -22390,7 +22472,7 @@
               </a:spcAft>
               <a:buNone/>
             </a:pPr>
-            <a:endParaRPr sz="1800" b="0" i="0" u="none" strike="noStrike" cap="none">
+            <a:endParaRPr sz="1800" b="0" i="0" u="none" strike="noStrike" cap="none" dirty="0">
               <a:solidFill>
                 <a:schemeClr val="dk1"/>
               </a:solidFill>
@@ -22414,7 +22496,7 @@
               <a:buNone/>
             </a:pPr>
             <a:r>
-              <a:rPr lang="ru-RU" sz="1800" b="0" i="0" u="none" strike="noStrike" cap="none">
+              <a:rPr lang="ru-RU" sz="1800" b="0" i="0" u="none" strike="noStrike" cap="none" dirty="0" err="1">
                 <a:solidFill>
                   <a:schemeClr val="dk1"/>
                 </a:solidFill>
@@ -22423,9 +22505,21 @@
                 <a:cs typeface="Calibri"/>
                 <a:sym typeface="Calibri"/>
               </a:rPr>
-              <a:t>Cинтаксис - переменная(значение) для присваивания значений.</a:t>
+              <a:t>Cинтаксис</a:t>
             </a:r>
-            <a:endParaRPr sz="1800" b="0" i="0" u="none" strike="noStrike" cap="none">
+            <a:r>
+              <a:rPr lang="ru-RU" sz="1800" b="0" i="0" u="none" strike="noStrike" cap="none" dirty="0">
+                <a:solidFill>
+                  <a:schemeClr val="dk1"/>
+                </a:solidFill>
+                <a:latin typeface="Calibri"/>
+                <a:ea typeface="Calibri"/>
+                <a:cs typeface="Calibri"/>
+                <a:sym typeface="Calibri"/>
+              </a:rPr>
+              <a:t> - переменная(значение) для присваивания значений.</a:t>
+            </a:r>
+            <a:endParaRPr sz="1800" b="0" i="0" u="none" strike="noStrike" cap="none" dirty="0">
               <a:solidFill>
                 <a:schemeClr val="dk1"/>
               </a:solidFill>
@@ -22448,7 +22542,7 @@
               </a:spcAft>
               <a:buNone/>
             </a:pPr>
-            <a:endParaRPr sz="1800" b="0" i="0" u="none" strike="noStrike" cap="none">
+            <a:endParaRPr sz="1800" b="0" i="0" u="none" strike="noStrike" cap="none" dirty="0">
               <a:solidFill>
                 <a:schemeClr val="dk1"/>
               </a:solidFill>
@@ -22472,7 +22566,7 @@
               <a:buNone/>
             </a:pPr>
             <a:r>
-              <a:rPr lang="ru-RU" sz="1800" b="0" i="0" u="none" strike="noStrike" cap="none">
+              <a:rPr lang="ru-RU" sz="1800" b="0" i="0" u="none" strike="noStrike" cap="none" dirty="0">
                 <a:solidFill>
                   <a:schemeClr val="dk1"/>
                 </a:solidFill>
@@ -22483,7 +22577,7 @@
               </a:rPr>
               <a:t>Список инициализации элементов может быть использован для регулярных переменных и должен быть использован для константных переменных.</a:t>
             </a:r>
-            <a:endParaRPr sz="1800" b="0" i="0" u="none" strike="noStrike" cap="none">
+            <a:endParaRPr sz="1800" b="0" i="0" u="none" strike="noStrike" cap="none" dirty="0">
               <a:solidFill>
                 <a:schemeClr val="dk1"/>
               </a:solidFill>
@@ -23073,7 +23167,7 @@
               <a:buNone/>
             </a:pPr>
             <a:r>
-              <a:rPr lang="ru-RU" sz="1800" b="0" i="0" u="none" strike="noStrike" cap="none">
+              <a:rPr lang="ru-RU" sz="1800" b="1" i="0" u="none" strike="noStrike" cap="none" dirty="0" smtClean="0">
                 <a:solidFill>
                   <a:schemeClr val="dk1"/>
                 </a:solidFill>
@@ -23082,9 +23176,8 @@
                 <a:cs typeface="Calibri"/>
                 <a:sym typeface="Calibri"/>
               </a:rPr>
-              <a:t>В реальном мире, сложные объекты обычно состоят из маленьких, более простых объектов. Например, машина собрана с использованием металлической рамы, двигателя, колес и огромного количества других деталей. Этот процесс называется композицией. </a:t>
+              <a:t>Пример композиции объектов</a:t>
             </a:r>
-            <a:endParaRPr/>
           </a:p>
           <a:p>
             <a:pPr marL="0" marR="0" lvl="0" indent="0" algn="l" rtl="0">
@@ -23099,8 +23192,70 @@
               </a:spcAft>
               <a:buNone/>
             </a:pPr>
+            <a:endParaRPr lang="ru-RU" sz="1800" dirty="0">
+              <a:solidFill>
+                <a:schemeClr val="dk1"/>
+              </a:solidFill>
+              <a:latin typeface="Calibri"/>
+              <a:ea typeface="Calibri"/>
+              <a:cs typeface="Calibri"/>
+              <a:sym typeface="Calibri"/>
+            </a:endParaRPr>
+          </a:p>
+          <a:p>
+            <a:pPr marL="0" marR="0" lvl="0" indent="0" algn="l" rtl="0">
+              <a:lnSpc>
+                <a:spcPct val="100000"/>
+              </a:lnSpc>
+              <a:spcBef>
+                <a:spcPts val="0"/>
+              </a:spcBef>
+              <a:spcAft>
+                <a:spcPts val="0"/>
+              </a:spcAft>
+              <a:buNone/>
+            </a:pPr>
             <a:r>
-              <a:rPr lang="ru-RU" sz="1800" b="0" i="0" u="none" strike="noStrike" cap="none">
+              <a:rPr lang="ru-RU" sz="1800" b="0" i="0" u="none" strike="noStrike" cap="none" dirty="0" smtClean="0">
+                <a:solidFill>
+                  <a:schemeClr val="dk1"/>
+                </a:solidFill>
+                <a:latin typeface="Calibri"/>
+                <a:ea typeface="Calibri"/>
+                <a:cs typeface="Calibri"/>
+                <a:sym typeface="Calibri"/>
+              </a:rPr>
+              <a:t>В </a:t>
+            </a:r>
+            <a:r>
+              <a:rPr lang="ru-RU" sz="1800" b="0" i="0" u="none" strike="noStrike" cap="none" dirty="0">
+                <a:solidFill>
+                  <a:schemeClr val="dk1"/>
+                </a:solidFill>
+                <a:latin typeface="Calibri"/>
+                <a:ea typeface="Calibri"/>
+                <a:cs typeface="Calibri"/>
+                <a:sym typeface="Calibri"/>
+              </a:rPr>
+              <a:t>реальном мире, сложные объекты обычно состоят из маленьких, более простых объектов. Например, машина собрана с использованием металлической рамы, двигателя, колес и огромного количества других деталей. Этот процесс называется композицией. </a:t>
+            </a:r>
+            <a:endParaRPr dirty="0"/>
+          </a:p>
+          <a:p>
+            <a:pPr marL="0" marR="0" lvl="0" indent="0" algn="l" rtl="0">
+              <a:lnSpc>
+                <a:spcPct val="100000"/>
+              </a:lnSpc>
+              <a:spcBef>
+                <a:spcPts val="0"/>
+              </a:spcBef>
+              <a:spcAft>
+                <a:spcPts val="0"/>
+              </a:spcAft>
+              <a:buNone/>
+            </a:pPr>
+            <a:r>
+              <a:rPr lang="ru-RU" sz="1800" b="0" i="0" u="none" strike="noStrike" cap="none" dirty="0">
                 <a:solidFill>
                   <a:schemeClr val="dk1"/>
                 </a:solidFill>
@@ -23111,7 +23266,7 @@
               </a:rPr>
               <a:t> </a:t>
             </a:r>
-            <a:endParaRPr/>
+            <a:endParaRPr dirty="0"/>
           </a:p>
           <a:p>
             <a:pPr marL="0" marR="0" lvl="0" indent="0" algn="l" rtl="0">
@@ -23127,7 +23282,7 @@
               <a:buNone/>
             </a:pPr>
             <a:r>
-              <a:rPr lang="ru-RU" sz="1800" b="0" i="0" u="none" strike="noStrike" cap="none">
+              <a:rPr lang="ru-RU" sz="1800" b="0" i="0" u="none" strike="noStrike" cap="none" dirty="0">
                 <a:solidFill>
                   <a:schemeClr val="dk1"/>
                 </a:solidFill>
@@ -23138,7 +23293,7 @@
               </a:rPr>
               <a:t>В C++ объектная композиция подразумевает использование классов в качестве переменных-членов в других классах</a:t>
             </a:r>
-            <a:endParaRPr sz="1800" b="0" i="0" u="none" strike="noStrike" cap="none">
+            <a:endParaRPr sz="1800" b="0" i="0" u="none" strike="noStrike" cap="none" dirty="0">
               <a:solidFill>
                 <a:schemeClr val="dk1"/>
               </a:solidFill>
@@ -23755,30 +23910,33 @@
               <a:buNone/>
             </a:pPr>
             <a:r>
-              <a:rPr lang="ru-RU" sz="1600">
+              <a:rPr lang="ru-RU" sz="1600" dirty="0">
                 <a:solidFill>
                   <a:schemeClr val="dk1"/>
                 </a:solidFill>
-                <a:latin typeface="Calibri"/>
+                <a:latin typeface="Calibri" panose="020F0502020204030204" pitchFamily="34" charset="0"/>
                 <a:ea typeface="Calibri"/>
-                <a:cs typeface="Calibri"/>
+                <a:cs typeface="Calibri" panose="020F0502020204030204" pitchFamily="34" charset="0"/>
                 <a:sym typeface="Calibri"/>
               </a:rPr>
               <a:t>                        </a:t>
             </a:r>
             <a:r>
-              <a:rPr lang="ru-RU" sz="1600" b="1" i="0" u="none" strike="noStrike" cap="none">
+              <a:rPr lang="ru-RU" sz="1600" b="1" i="0" u="none" strike="noStrike" cap="none" dirty="0">
                 <a:solidFill>
                   <a:schemeClr val="dk1"/>
                 </a:solidFill>
-                <a:latin typeface="Calibri"/>
+                <a:latin typeface="Calibri" panose="020F0502020204030204" pitchFamily="34" charset="0"/>
                 <a:ea typeface="Calibri"/>
-                <a:cs typeface="Calibri"/>
+                <a:cs typeface="Calibri" panose="020F0502020204030204" pitchFamily="34" charset="0"/>
                 <a:sym typeface="Calibri"/>
               </a:rPr>
               <a:t>Дружественные функции </a:t>
             </a:r>
-            <a:endParaRPr b="1"/>
+            <a:endParaRPr b="1" dirty="0">
+              <a:latin typeface="Calibri" panose="020F0502020204030204" pitchFamily="34" charset="0"/>
+              <a:cs typeface="Calibri" panose="020F0502020204030204" pitchFamily="34" charset="0"/>
+            </a:endParaRPr>
           </a:p>
           <a:p>
             <a:pPr marL="0" marR="0" lvl="0" indent="0" algn="l" rtl="0">
@@ -23794,18 +23952,21 @@
               <a:buNone/>
             </a:pPr>
             <a:r>
-              <a:rPr lang="ru-RU" sz="1600" b="0" i="0" u="none" strike="noStrike" cap="none">
+              <a:rPr lang="ru-RU" sz="1600" b="0" i="0" u="none" strike="noStrike" cap="none" dirty="0">
                 <a:solidFill>
                   <a:schemeClr val="dk1"/>
                 </a:solidFill>
-                <a:latin typeface="Calibri"/>
+                <a:latin typeface="Calibri" panose="020F0502020204030204" pitchFamily="34" charset="0"/>
                 <a:ea typeface="Calibri"/>
-                <a:cs typeface="Calibri"/>
+                <a:cs typeface="Calibri" panose="020F0502020204030204" pitchFamily="34" charset="0"/>
                 <a:sym typeface="Calibri"/>
               </a:rPr>
               <a:t> </a:t>
             </a:r>
-            <a:endParaRPr/>
+            <a:endParaRPr dirty="0">
+              <a:latin typeface="Calibri" panose="020F0502020204030204" pitchFamily="34" charset="0"/>
+              <a:cs typeface="Calibri" panose="020F0502020204030204" pitchFamily="34" charset="0"/>
+            </a:endParaRPr>
           </a:p>
           <a:p>
             <a:pPr marL="0" marR="0" lvl="0" indent="0" algn="l" rtl="0">
@@ -23821,18 +23982,69 @@
               <a:buNone/>
             </a:pPr>
             <a:r>
-              <a:rPr lang="ru-RU" sz="1600" b="0" i="0" u="none" strike="noStrike" cap="none">
+              <a:rPr lang="ru-RU" sz="1600" b="0" i="0" u="none" strike="noStrike" cap="none" dirty="0">
                 <a:solidFill>
                   <a:schemeClr val="dk1"/>
                 </a:solidFill>
-                <a:latin typeface="Calibri"/>
+                <a:latin typeface="Calibri" panose="020F0502020204030204" pitchFamily="34" charset="0"/>
                 <a:ea typeface="Calibri"/>
-                <a:cs typeface="Calibri"/>
+                <a:cs typeface="Calibri" panose="020F0502020204030204" pitchFamily="34" charset="0"/>
                 <a:sym typeface="Calibri"/>
               </a:rPr>
-              <a:t>Обычно, скрытые поля класса недоступны извне класса. Однако, если объявление функции как не-член класса с использованием ключевого слова friend позволяет получить доступ к скрытым полям класса. Это выполняется путем включения объявления этой внешней функции внутри класса, с предшествующим ключевым словом friend.  </a:t>
+              <a:t>Обычно, скрытые поля класса недоступны извне класса. Однако, если объявление функции как не-член класса с использованием ключевого слова </a:t>
             </a:r>
-            <a:endParaRPr/>
+            <a:r>
+              <a:rPr lang="ru-RU" sz="1600" b="0" i="0" u="none" strike="noStrike" cap="none" dirty="0" err="1">
+                <a:solidFill>
+                  <a:schemeClr val="dk1"/>
+                </a:solidFill>
+                <a:latin typeface="Calibri" panose="020F0502020204030204" pitchFamily="34" charset="0"/>
+                <a:ea typeface="Calibri"/>
+                <a:cs typeface="Calibri" panose="020F0502020204030204" pitchFamily="34" charset="0"/>
+                <a:sym typeface="Calibri"/>
+              </a:rPr>
+              <a:t>friend</a:t>
+            </a:r>
+            <a:r>
+              <a:rPr lang="ru-RU" sz="1600" b="0" i="0" u="none" strike="noStrike" cap="none" dirty="0">
+                <a:solidFill>
+                  <a:schemeClr val="dk1"/>
+                </a:solidFill>
+                <a:latin typeface="Calibri" panose="020F0502020204030204" pitchFamily="34" charset="0"/>
+                <a:ea typeface="Calibri"/>
+                <a:cs typeface="Calibri" panose="020F0502020204030204" pitchFamily="34" charset="0"/>
+                <a:sym typeface="Calibri"/>
+              </a:rPr>
+              <a:t> позволяет получить доступ к скрытым полям класса. Это выполняется путем включения объявления этой внешней функции внутри класса, с предшествующим ключевым словом </a:t>
+            </a:r>
+            <a:r>
+              <a:rPr lang="ru-RU" sz="1600" b="0" i="0" u="none" strike="noStrike" cap="none" dirty="0" err="1">
+                <a:solidFill>
+                  <a:schemeClr val="dk1"/>
+                </a:solidFill>
+                <a:latin typeface="Calibri" panose="020F0502020204030204" pitchFamily="34" charset="0"/>
+                <a:ea typeface="Calibri"/>
+                <a:cs typeface="Calibri" panose="020F0502020204030204" pitchFamily="34" charset="0"/>
+                <a:sym typeface="Calibri"/>
+              </a:rPr>
+              <a:t>friend</a:t>
+            </a:r>
+            <a:r>
+              <a:rPr lang="ru-RU" sz="1600" b="0" i="0" u="none" strike="noStrike" cap="none" dirty="0">
+                <a:solidFill>
+                  <a:schemeClr val="dk1"/>
+                </a:solidFill>
+                <a:latin typeface="Calibri" panose="020F0502020204030204" pitchFamily="34" charset="0"/>
+                <a:ea typeface="Calibri"/>
+                <a:cs typeface="Calibri" panose="020F0502020204030204" pitchFamily="34" charset="0"/>
+                <a:sym typeface="Calibri"/>
+              </a:rPr>
+              <a:t>.  </a:t>
+            </a:r>
+            <a:endParaRPr dirty="0">
+              <a:latin typeface="Calibri" panose="020F0502020204030204" pitchFamily="34" charset="0"/>
+              <a:cs typeface="Calibri" panose="020F0502020204030204" pitchFamily="34" charset="0"/>
+            </a:endParaRPr>
           </a:p>
           <a:p>
             <a:pPr marL="0" marR="0" lvl="0" indent="0" algn="l" rtl="0">
@@ -23848,24 +24060,60 @@
               <a:buNone/>
             </a:pPr>
             <a:r>
-              <a:rPr lang="ru-RU" sz="1600" b="0" i="0" u="none" strike="noStrike" cap="none">
+              <a:rPr lang="ru-RU" sz="1600" b="0" i="0" u="none" strike="noStrike" cap="none" dirty="0" err="1">
                 <a:solidFill>
                   <a:schemeClr val="dk1"/>
                 </a:solidFill>
-                <a:latin typeface="Calibri"/>
+                <a:latin typeface="Calibri" panose="020F0502020204030204" pitchFamily="34" charset="0"/>
                 <a:ea typeface="Calibri"/>
-                <a:cs typeface="Calibri"/>
+                <a:cs typeface="Calibri" panose="020F0502020204030204" pitchFamily="34" charset="0"/>
                 <a:sym typeface="Calibri"/>
               </a:rPr>
-              <a:t>someFunc(), которая не является функцией-элементом класса, является дружественной функцией класса MyClass и имеет доступ к его скрытым полям.</a:t>
+              <a:t>someFunc</a:t>
             </a:r>
-            <a:endParaRPr sz="1600" b="0" i="0" u="none" strike="noStrike" cap="none">
+            <a:r>
+              <a:rPr lang="ru-RU" sz="1600" b="0" i="0" u="none" strike="noStrike" cap="none" dirty="0">
+                <a:solidFill>
+                  <a:schemeClr val="dk1"/>
+                </a:solidFill>
+                <a:latin typeface="Calibri" panose="020F0502020204030204" pitchFamily="34" charset="0"/>
+                <a:ea typeface="Calibri"/>
+                <a:cs typeface="Calibri" panose="020F0502020204030204" pitchFamily="34" charset="0"/>
+                <a:sym typeface="Calibri"/>
+              </a:rPr>
+              <a:t>(), которая не является функцией-элементом класса, является дружественной функцией класса </a:t>
+            </a:r>
+            <a:r>
+              <a:rPr lang="ru-RU" sz="1600" b="0" i="0" u="none" strike="noStrike" cap="none" dirty="0" err="1">
+                <a:solidFill>
+                  <a:schemeClr val="dk1"/>
+                </a:solidFill>
+                <a:latin typeface="Calibri" panose="020F0502020204030204" pitchFamily="34" charset="0"/>
+                <a:ea typeface="Calibri"/>
+                <a:cs typeface="Calibri" panose="020F0502020204030204" pitchFamily="34" charset="0"/>
+                <a:sym typeface="Calibri"/>
+              </a:rPr>
+              <a:t>MyClass</a:t>
+            </a:r>
+            <a:r>
+              <a:rPr lang="ru-RU" sz="1600" b="0" i="0" u="none" strike="noStrike" cap="none" dirty="0">
+                <a:solidFill>
+                  <a:schemeClr val="dk1"/>
+                </a:solidFill>
+                <a:latin typeface="Calibri" panose="020F0502020204030204" pitchFamily="34" charset="0"/>
+                <a:ea typeface="Calibri"/>
+                <a:cs typeface="Calibri" panose="020F0502020204030204" pitchFamily="34" charset="0"/>
+                <a:sym typeface="Calibri"/>
+              </a:rPr>
+              <a:t> и имеет доступ к его скрытым полям.</a:t>
+            </a:r>
+            <a:endParaRPr sz="1600" b="0" i="0" u="none" strike="noStrike" cap="none" dirty="0">
               <a:solidFill>
                 <a:schemeClr val="dk1"/>
               </a:solidFill>
-              <a:latin typeface="Calibri"/>
+              <a:latin typeface="Calibri" panose="020F0502020204030204" pitchFamily="34" charset="0"/>
               <a:ea typeface="Calibri"/>
-              <a:cs typeface="Calibri"/>
+              <a:cs typeface="Calibri" panose="020F0502020204030204" pitchFamily="34" charset="0"/>
               <a:sym typeface="Calibri"/>
             </a:endParaRPr>
           </a:p>
@@ -23880,24 +24128,48 @@
               <a:buNone/>
             </a:pPr>
             <a:r>
-              <a:rPr lang="ru-RU" sz="1600" b="0" i="0" u="none" strike="noStrike" cap="none">
+              <a:rPr lang="ru-RU" sz="1600" b="0" i="0" u="none" strike="noStrike" cap="none" dirty="0">
                 <a:solidFill>
                   <a:schemeClr val="dk1"/>
                 </a:solidFill>
-                <a:latin typeface="Calibri"/>
+                <a:latin typeface="Calibri" panose="020F0502020204030204" pitchFamily="34" charset="0"/>
                 <a:ea typeface="Calibri"/>
-                <a:cs typeface="Calibri"/>
+                <a:cs typeface="Calibri" panose="020F0502020204030204" pitchFamily="34" charset="0"/>
                 <a:sym typeface="Calibri"/>
               </a:rPr>
-              <a:t>Чтобы сделать элементы доступными, в классе в определении должна быть объявлена функция с использованием ключевого слова friend. Вы не можете "сделать" функцию дружественной для класса без "согласия" класса.</a:t>
+              <a:t>Чтобы сделать элементы доступными, в классе в определении должна быть объявлена функция с использованием ключевого слова </a:t>
             </a:r>
-            <a:endParaRPr sz="1600">
+            <a:r>
+              <a:rPr lang="ru-RU" sz="1600" b="0" i="0" u="none" strike="noStrike" cap="none" dirty="0" err="1">
+                <a:solidFill>
+                  <a:schemeClr val="dk1"/>
+                </a:solidFill>
+                <a:latin typeface="Calibri" panose="020F0502020204030204" pitchFamily="34" charset="0"/>
+                <a:ea typeface="Calibri"/>
+                <a:cs typeface="Calibri" panose="020F0502020204030204" pitchFamily="34" charset="0"/>
+                <a:sym typeface="Calibri"/>
+              </a:rPr>
+              <a:t>friend</a:t>
+            </a:r>
+            <a:r>
+              <a:rPr lang="ru-RU" sz="1600" b="0" i="0" u="none" strike="noStrike" cap="none" dirty="0">
+                <a:solidFill>
+                  <a:schemeClr val="dk1"/>
+                </a:solidFill>
+                <a:latin typeface="Calibri" panose="020F0502020204030204" pitchFamily="34" charset="0"/>
+                <a:ea typeface="Calibri"/>
+                <a:cs typeface="Calibri" panose="020F0502020204030204" pitchFamily="34" charset="0"/>
+                <a:sym typeface="Calibri"/>
+              </a:rPr>
+              <a:t>. Вы не можете "сделать" функцию дружественной для класса без "согласия" класса.</a:t>
+            </a:r>
+            <a:endParaRPr sz="1600" dirty="0">
               <a:solidFill>
                 <a:schemeClr val="dk1"/>
               </a:solidFill>
-              <a:latin typeface="Calibri"/>
+              <a:latin typeface="Calibri" panose="020F0502020204030204" pitchFamily="34" charset="0"/>
               <a:ea typeface="Calibri"/>
-              <a:cs typeface="Calibri"/>
+              <a:cs typeface="Calibri" panose="020F0502020204030204" pitchFamily="34" charset="0"/>
               <a:sym typeface="Calibri"/>
             </a:endParaRPr>
           </a:p>
@@ -23914,13 +24186,13 @@
               </a:spcAft>
               <a:buNone/>
             </a:pPr>
-            <a:endParaRPr sz="1600">
+            <a:endParaRPr sz="1600" dirty="0">
               <a:solidFill>
                 <a:schemeClr val="dk1"/>
               </a:solidFill>
-              <a:latin typeface="Calibri"/>
+              <a:latin typeface="Calibri" panose="020F0502020204030204" pitchFamily="34" charset="0"/>
               <a:ea typeface="Calibri"/>
-              <a:cs typeface="Calibri"/>
+              <a:cs typeface="Calibri" panose="020F0502020204030204" pitchFamily="34" charset="0"/>
               <a:sym typeface="Calibri"/>
             </a:endParaRPr>
           </a:p>
@@ -24528,7 +24800,7 @@
               <a:buNone/>
             </a:pPr>
             <a:r>
-              <a:rPr lang="ru-RU" sz="1800">
+              <a:rPr lang="ru-RU" sz="1800" dirty="0">
                 <a:solidFill>
                   <a:schemeClr val="dk1"/>
                 </a:solidFill>
@@ -24539,7 +24811,7 @@
               </a:rPr>
               <a:t>Что если названия скрытых полей класса совпадут с аргументами, передаваемыми в конструктор?</a:t>
             </a:r>
-            <a:endParaRPr sz="1800">
+            <a:endParaRPr sz="1800" dirty="0">
               <a:solidFill>
                 <a:schemeClr val="dk1"/>
               </a:solidFill>
@@ -24560,7 +24832,7 @@
               <a:buNone/>
             </a:pPr>
             <a:r>
-              <a:rPr lang="ru-RU" sz="5400" b="1">
+              <a:rPr lang="ru-RU" sz="5400" b="1" dirty="0" err="1">
                 <a:solidFill>
                   <a:schemeClr val="dk1"/>
                 </a:solidFill>
@@ -24571,7 +24843,7 @@
               </a:rPr>
               <a:t>This</a:t>
             </a:r>
-            <a:endParaRPr/>
+            <a:endParaRPr dirty="0"/>
           </a:p>
           <a:p>
             <a:pPr marL="0" marR="0" lvl="0" indent="0" algn="l" rtl="0">
@@ -24584,7 +24856,7 @@
               <a:buNone/>
             </a:pPr>
             <a:r>
-              <a:rPr lang="ru-RU" sz="1800">
+              <a:rPr lang="ru-RU" sz="1800" dirty="0">
                 <a:solidFill>
                   <a:schemeClr val="dk1"/>
                 </a:solidFill>
@@ -24593,22 +24865,10 @@
                 <a:cs typeface="Calibri"/>
                 <a:sym typeface="Calibri"/>
               </a:rPr>
-              <a:t>Каждый объект в C++ имеет доступ к его собственному адресу через указатель, который называется this. </a:t>
+              <a:t>Каждый объект в C++ имеет доступ к его собственному адресу через указатель, который называется </a:t>
             </a:r>
-            <a:endParaRPr/>
-          </a:p>
-          <a:p>
-            <a:pPr marL="0" marR="0" lvl="0" indent="0" algn="l" rtl="0">
-              <a:spcBef>
-                <a:spcPts val="0"/>
-              </a:spcBef>
-              <a:spcAft>
-                <a:spcPts val="0"/>
-              </a:spcAft>
-              <a:buNone/>
-            </a:pPr>
             <a:r>
-              <a:rPr lang="ru-RU" sz="1800">
+              <a:rPr lang="ru-RU" sz="1800" dirty="0" err="1">
                 <a:solidFill>
                   <a:schemeClr val="dk1"/>
                 </a:solidFill>
@@ -24617,9 +24877,69 @@
                 <a:cs typeface="Calibri"/>
                 <a:sym typeface="Calibri"/>
               </a:rPr>
-              <a:t>Внутри функции-члена this может быть использовано для ссылки на вызывающий объект.</a:t>
+              <a:t>this</a:t>
             </a:r>
-            <a:endParaRPr sz="1800">
+            <a:r>
+              <a:rPr lang="ru-RU" sz="1800" dirty="0">
+                <a:solidFill>
+                  <a:schemeClr val="dk1"/>
+                </a:solidFill>
+                <a:latin typeface="Calibri"/>
+                <a:ea typeface="Calibri"/>
+                <a:cs typeface="Calibri"/>
+                <a:sym typeface="Calibri"/>
+              </a:rPr>
+              <a:t>. </a:t>
+            </a:r>
+            <a:endParaRPr dirty="0"/>
+          </a:p>
+          <a:p>
+            <a:pPr marL="0" marR="0" lvl="0" indent="0" algn="l" rtl="0">
+              <a:spcBef>
+                <a:spcPts val="0"/>
+              </a:spcBef>
+              <a:spcAft>
+                <a:spcPts val="0"/>
+              </a:spcAft>
+              <a:buNone/>
+            </a:pPr>
+            <a:r>
+              <a:rPr lang="ru-RU" sz="1800" dirty="0">
+                <a:solidFill>
+                  <a:schemeClr val="dk1"/>
+                </a:solidFill>
+                <a:latin typeface="Calibri"/>
+                <a:ea typeface="Calibri"/>
+                <a:cs typeface="Calibri"/>
+                <a:sym typeface="Calibri"/>
+              </a:rPr>
+              <a:t>Внутри функции-члена </a:t>
+            </a:r>
+            <a:r>
+              <a:rPr lang="ru-RU" sz="1800" dirty="0" err="1">
+                <a:solidFill>
+                  <a:schemeClr val="dk1"/>
+                </a:solidFill>
+                <a:latin typeface="Calibri"/>
+                <a:ea typeface="Calibri"/>
+                <a:cs typeface="Calibri"/>
+                <a:sym typeface="Calibri"/>
+              </a:rPr>
+              <a:t>this</a:t>
+            </a:r>
+            <a:r>
+              <a:rPr lang="ru-RU" sz="1800" dirty="0">
+                <a:solidFill>
+                  <a:schemeClr val="dk1"/>
+                </a:solidFill>
+                <a:latin typeface="Calibri"/>
+                <a:ea typeface="Calibri"/>
+                <a:cs typeface="Calibri"/>
+                <a:sym typeface="Calibri"/>
+              </a:rPr>
+              <a:t> может быть использовано для ссылки на вызывающий объект.</a:t>
+            </a:r>
+            <a:endParaRPr sz="1800" dirty="0">
               <a:solidFill>
                 <a:schemeClr val="dk1"/>
               </a:solidFill>
@@ -24639,7 +24959,7 @@
               </a:spcAft>
               <a:buNone/>
             </a:pPr>
-            <a:endParaRPr sz="1800">
+            <a:endParaRPr sz="1800" dirty="0">
               <a:solidFill>
                 <a:schemeClr val="dk1"/>
               </a:solidFill>
@@ -24660,7 +24980,7 @@
               <a:buNone/>
             </a:pPr>
             <a:r>
-              <a:rPr lang="ru-RU" sz="1800">
+              <a:rPr lang="ru-RU" sz="1800" dirty="0">
                 <a:solidFill>
                   <a:schemeClr val="dk1"/>
                 </a:solidFill>
@@ -24669,9 +24989,33 @@
                 <a:cs typeface="Calibri"/>
                 <a:sym typeface="Calibri"/>
               </a:rPr>
-              <a:t>Дружественные функции не имеют указателя this, потому что дружественные функции не являются элементами класса.</a:t>
+              <a:t>Дружественные функции не имеют указателя </a:t>
             </a:r>
-            <a:endParaRPr/>
+            <a:r>
+              <a:rPr lang="ru-RU" sz="1800" dirty="0" err="1">
+                <a:solidFill>
+                  <a:schemeClr val="dk1"/>
+                </a:solidFill>
+                <a:latin typeface="Calibri"/>
+                <a:ea typeface="Calibri"/>
+                <a:cs typeface="Calibri"/>
+                <a:sym typeface="Calibri"/>
+              </a:rPr>
+              <a:t>this</a:t>
+            </a:r>
+            <a:r>
+              <a:rPr lang="ru-RU" sz="1800" dirty="0">
+                <a:solidFill>
+                  <a:schemeClr val="dk1"/>
+                </a:solidFill>
+                <a:latin typeface="Calibri"/>
+                <a:ea typeface="Calibri"/>
+                <a:cs typeface="Calibri"/>
+                <a:sym typeface="Calibri"/>
+              </a:rPr>
+              <a:t>, потому что дружественные функции не являются элементами класса.</a:t>
+            </a:r>
+            <a:endParaRPr dirty="0"/>
           </a:p>
         </p:txBody>
       </p:sp>
@@ -24986,7 +25330,7 @@
               <a:buNone/>
             </a:pPr>
             <a:r>
-              <a:rPr lang="ru-RU" sz="1600" b="1">
+              <a:rPr lang="ru-RU" sz="1600" b="1" dirty="0">
                 <a:solidFill>
                   <a:schemeClr val="dk1"/>
                 </a:solidFill>
@@ -24997,7 +25341,7 @@
               </a:rPr>
               <a:t>Перегрузка Операторов </a:t>
             </a:r>
-            <a:endParaRPr/>
+            <a:endParaRPr dirty="0"/>
           </a:p>
           <a:p>
             <a:pPr marL="0" marR="0" lvl="0" indent="0" algn="l" rtl="0">
@@ -25013,7 +25357,7 @@
               <a:buNone/>
             </a:pPr>
             <a:r>
-              <a:rPr lang="ru-RU" sz="1600">
+              <a:rPr lang="ru-RU" sz="1600" dirty="0">
                 <a:solidFill>
                   <a:schemeClr val="dk1"/>
                 </a:solidFill>
@@ -25024,7 +25368,7 @@
               </a:rPr>
               <a:t> </a:t>
             </a:r>
-            <a:endParaRPr/>
+            <a:endParaRPr dirty="0"/>
           </a:p>
           <a:p>
             <a:pPr marL="0" marR="0" lvl="0" indent="0" algn="l" rtl="0">
@@ -25040,7 +25384,7 @@
               <a:buNone/>
             </a:pPr>
             <a:r>
-              <a:rPr lang="ru-RU" sz="1600">
+              <a:rPr lang="ru-RU" sz="1600" dirty="0">
                 <a:solidFill>
                   <a:schemeClr val="dk1"/>
                 </a:solidFill>
@@ -25051,7 +25395,7 @@
               </a:rPr>
               <a:t>Большинство операторов в C++ могут быть переопределены или перегружены.  </a:t>
             </a:r>
-            <a:endParaRPr/>
+            <a:endParaRPr dirty="0"/>
           </a:p>
           <a:p>
             <a:pPr marL="0" marR="0" lvl="0" indent="0" algn="l" rtl="0">
@@ -25067,7 +25411,7 @@
               <a:buNone/>
             </a:pPr>
             <a:r>
-              <a:rPr lang="ru-RU" sz="1600">
+              <a:rPr lang="ru-RU" sz="1600" dirty="0">
                 <a:solidFill>
                   <a:schemeClr val="dk1"/>
                 </a:solidFill>
@@ -25078,7 +25422,7 @@
               </a:rPr>
               <a:t>Таким образом, операторы могут быть использованы также с определенными пользователем типами (например, позволяют вам складывать два объекта вместе). </a:t>
             </a:r>
-            <a:endParaRPr/>
+            <a:endParaRPr dirty="0"/>
           </a:p>
           <a:p>
             <a:pPr marL="0" marR="0" lvl="0" indent="0" algn="l" rtl="0">
@@ -25094,7 +25438,7 @@
               <a:buNone/>
             </a:pPr>
             <a:r>
-              <a:rPr lang="ru-RU" sz="1600">
+              <a:rPr lang="ru-RU" sz="1600" dirty="0">
                 <a:solidFill>
                   <a:schemeClr val="dk1"/>
                 </a:solidFill>
@@ -25105,7 +25449,7 @@
               </a:rPr>
               <a:t> </a:t>
             </a:r>
-            <a:endParaRPr/>
+            <a:endParaRPr dirty="0"/>
           </a:p>
           <a:p>
             <a:pPr marL="0" marR="0" lvl="0" indent="0" algn="l" rtl="0">
@@ -25121,7 +25465,7 @@
               <a:buNone/>
             </a:pPr>
             <a:r>
-              <a:rPr lang="ru-RU" sz="1600">
+              <a:rPr lang="ru-RU" sz="1600" dirty="0">
                 <a:solidFill>
                   <a:schemeClr val="dk1"/>
                 </a:solidFill>
@@ -25132,7 +25476,7 @@
               </a:rPr>
               <a:t>В данной таблице указаны операторы, которые могут быть перегружены.</a:t>
             </a:r>
-            <a:endParaRPr sz="1600" b="0" strike="noStrike">
+            <a:endParaRPr sz="1600" b="0" strike="noStrike" dirty="0">
               <a:solidFill>
                 <a:schemeClr val="dk1"/>
               </a:solidFill>
@@ -25896,7 +26240,7 @@
               <a:buNone/>
             </a:pPr>
             <a:r>
-              <a:rPr lang="ru-RU" sz="2000">
+              <a:rPr lang="ru-RU" sz="2000" dirty="0">
                 <a:solidFill>
                   <a:schemeClr val="dk1"/>
                 </a:solidFill>
@@ -25905,9 +26249,69 @@
                 <a:cs typeface="Arial"/>
                 <a:sym typeface="Arial"/>
               </a:rPr>
-              <a:t>Перегруженные операторы это функции, определенные с помощью ключевого слова operator, за которым следует символ определяемого оператора. </a:t>
+              <a:t>Перегруженные операторы </a:t>
             </a:r>
-            <a:endParaRPr/>
+            <a:r>
+              <a:rPr lang="en-US" sz="2000" dirty="0" smtClean="0">
+                <a:solidFill>
+                  <a:schemeClr val="dk1"/>
+                </a:solidFill>
+                <a:latin typeface="Arial"/>
+                <a:ea typeface="Arial"/>
+                <a:cs typeface="Arial"/>
+                <a:sym typeface="Arial"/>
+              </a:rPr>
+              <a:t>- </a:t>
+            </a:r>
+            <a:r>
+              <a:rPr lang="ru-RU" sz="2000" dirty="0" smtClean="0">
+                <a:solidFill>
+                  <a:schemeClr val="dk1"/>
+                </a:solidFill>
+                <a:latin typeface="Arial"/>
+                <a:ea typeface="Arial"/>
+                <a:cs typeface="Arial"/>
+                <a:sym typeface="Arial"/>
+              </a:rPr>
+              <a:t>это </a:t>
+            </a:r>
+            <a:r>
+              <a:rPr lang="ru-RU" sz="2000" dirty="0">
+                <a:solidFill>
+                  <a:schemeClr val="dk1"/>
+                </a:solidFill>
+                <a:latin typeface="Arial"/>
+                <a:ea typeface="Arial"/>
+                <a:cs typeface="Arial"/>
+                <a:sym typeface="Arial"/>
+              </a:rPr>
+              <a:t>функции, определенные с помощью ключевого слова </a:t>
+            </a:r>
+            <a:r>
+              <a:rPr lang="ru-RU" sz="2000" dirty="0" err="1">
+                <a:solidFill>
+                  <a:schemeClr val="dk1"/>
+                </a:solidFill>
+                <a:latin typeface="Arial"/>
+                <a:ea typeface="Arial"/>
+                <a:cs typeface="Arial"/>
+                <a:sym typeface="Arial"/>
+              </a:rPr>
+              <a:t>operator</a:t>
+            </a:r>
+            <a:r>
+              <a:rPr lang="ru-RU" sz="2000" dirty="0">
+                <a:solidFill>
+                  <a:schemeClr val="dk1"/>
+                </a:solidFill>
+                <a:latin typeface="Arial"/>
+                <a:ea typeface="Arial"/>
+                <a:cs typeface="Arial"/>
+                <a:sym typeface="Arial"/>
+              </a:rPr>
+              <a:t>, за которым следует символ определяемого оператора. </a:t>
+            </a:r>
+            <a:endParaRPr dirty="0"/>
           </a:p>
           <a:p>
             <a:pPr marL="0" marR="0" lvl="0" indent="0" algn="l" rtl="0">
@@ -25923,7 +26327,7 @@
               <a:buNone/>
             </a:pPr>
             <a:r>
-              <a:rPr lang="ru-RU" sz="2000">
+              <a:rPr lang="ru-RU" sz="2000" dirty="0">
                 <a:solidFill>
                   <a:schemeClr val="dk1"/>
                 </a:solidFill>
@@ -25934,7 +26338,7 @@
               </a:rPr>
               <a:t>Перегруженный оператор схож с другими функциями в том, что он тоже имеет возвращаемый тип и список параметров. </a:t>
             </a:r>
-            <a:endParaRPr/>
+            <a:endParaRPr dirty="0"/>
           </a:p>
           <a:p>
             <a:pPr marL="0" marR="0" lvl="0" indent="0" algn="l" rtl="0">
@@ -25950,7 +26354,7 @@
               <a:buNone/>
             </a:pPr>
             <a:r>
-              <a:rPr lang="ru-RU" sz="2000">
+              <a:rPr lang="ru-RU" sz="2000" dirty="0">
                 <a:solidFill>
                   <a:schemeClr val="dk1"/>
                 </a:solidFill>
@@ -25961,7 +26365,7 @@
               </a:rPr>
               <a:t> </a:t>
             </a:r>
-            <a:endParaRPr/>
+            <a:endParaRPr dirty="0"/>
           </a:p>
           <a:p>
             <a:pPr marL="0" marR="0" lvl="0" indent="0" algn="l" rtl="0">
@@ -25977,7 +26381,7 @@
               <a:buNone/>
             </a:pPr>
             <a:r>
-              <a:rPr lang="ru-RU" sz="2000">
+              <a:rPr lang="ru-RU" sz="2000" dirty="0">
                 <a:solidFill>
                   <a:schemeClr val="dk1"/>
                 </a:solidFill>
@@ -25988,7 +26392,7 @@
               </a:rPr>
               <a:t>В нашем примере мы будем перегружать оператор +. Он будет возвращать объект нашего класса и принимать объект нашего класса в качестве параметра.</a:t>
             </a:r>
-            <a:endParaRPr sz="2000">
+            <a:endParaRPr sz="2000" dirty="0">
               <a:solidFill>
                 <a:schemeClr val="dk1"/>
               </a:solidFill>
@@ -26011,7 +26415,7 @@
               </a:spcAft>
               <a:buNone/>
             </a:pPr>
-            <a:endParaRPr sz="2000">
+            <a:endParaRPr sz="2000" dirty="0">
               <a:solidFill>
                 <a:schemeClr val="dk1"/>
               </a:solidFill>
@@ -26035,7 +26439,7 @@
               <a:buNone/>
             </a:pPr>
             <a:r>
-              <a:rPr lang="ru-RU" sz="4800" b="1">
+              <a:rPr lang="ru-RU" sz="4800" b="1" dirty="0" err="1">
                 <a:solidFill>
                   <a:schemeClr val="dk1"/>
                 </a:solidFill>
@@ -26044,9 +26448,21 @@
                 <a:cs typeface="Arial"/>
                 <a:sym typeface="Arial"/>
               </a:rPr>
-              <a:t>operator+</a:t>
+              <a:t>operator</a:t>
             </a:r>
-            <a:endParaRPr sz="4800" b="1">
+            <a:r>
+              <a:rPr lang="ru-RU" sz="4800" b="1" dirty="0">
+                <a:solidFill>
+                  <a:schemeClr val="dk1"/>
+                </a:solidFill>
+                <a:latin typeface="Arial"/>
+                <a:ea typeface="Arial"/>
+                <a:cs typeface="Arial"/>
+                <a:sym typeface="Arial"/>
+              </a:rPr>
+              <a:t>+</a:t>
+            </a:r>
+            <a:endParaRPr sz="4800" b="1" dirty="0">
               <a:solidFill>
                 <a:schemeClr val="dk1"/>
               </a:solidFill>
@@ -30356,7 +30772,7 @@
               <a:buNone/>
             </a:pPr>
             <a:r>
-              <a:rPr lang="ru-RU" sz="1800" b="1" i="0" u="none" strike="noStrike" cap="none">
+              <a:rPr lang="ru-RU" sz="1800" b="1" i="0" u="none" strike="noStrike" cap="none" dirty="0">
                 <a:solidFill>
                   <a:srgbClr val="000000"/>
                 </a:solidFill>
@@ -30367,7 +30783,7 @@
               </a:rPr>
               <a:t>Тема: Композиция объектов.</a:t>
             </a:r>
-            <a:endParaRPr sz="1800" b="0" i="0" u="none" strike="noStrike" cap="none">
+            <a:endParaRPr sz="1800" b="0" i="0" u="none" strike="noStrike" cap="none" dirty="0">
               <a:solidFill>
                 <a:schemeClr val="dk1"/>
               </a:solidFill>
@@ -30390,7 +30806,7 @@
               </a:spcAft>
               <a:buNone/>
             </a:pPr>
-            <a:endParaRPr sz="1800" b="0" i="0" u="none" strike="noStrike" cap="none">
+            <a:endParaRPr sz="1800" b="0" i="0" u="none" strike="noStrike" cap="none" dirty="0">
               <a:solidFill>
                 <a:schemeClr val="dk1"/>
               </a:solidFill>
@@ -30414,7 +30830,7 @@
               <a:buNone/>
             </a:pPr>
             <a:r>
-              <a:rPr lang="ru-RU" sz="1600" b="1" i="0" u="none" strike="noStrike" cap="none">
+              <a:rPr lang="ru-RU" sz="1600" b="1" i="0" u="none" strike="noStrike" cap="none" dirty="0">
                 <a:solidFill>
                   <a:srgbClr val="000000"/>
                 </a:solidFill>
@@ -30425,7 +30841,7 @@
               </a:rPr>
               <a:t>Цели и задачи:</a:t>
             </a:r>
-            <a:endParaRPr sz="1600" b="0" i="0" u="none" strike="noStrike" cap="none">
+            <a:endParaRPr sz="1600" b="0" i="0" u="none" strike="noStrike" cap="none" dirty="0">
               <a:solidFill>
                 <a:schemeClr val="dk1"/>
               </a:solidFill>
@@ -30448,7 +30864,7 @@
               </a:spcAft>
               <a:buNone/>
             </a:pPr>
-            <a:endParaRPr sz="1600" b="0" i="0" u="none" strike="noStrike" cap="none">
+            <a:endParaRPr sz="1600" b="0" i="0" u="none" strike="noStrike" cap="none" dirty="0">
               <a:solidFill>
                 <a:schemeClr val="dk1"/>
               </a:solidFill>
@@ -30474,7 +30890,7 @@
               <a:buChar char="●"/>
             </a:pPr>
             <a:r>
-              <a:rPr lang="ru-RU" sz="1400" b="0" i="0" u="none" strike="noStrike" cap="none">
+              <a:rPr lang="ru-RU" sz="1400" b="0" i="0" u="none" strike="noStrike" cap="none" dirty="0">
                 <a:solidFill>
                   <a:srgbClr val="000000"/>
                 </a:solidFill>
@@ -30485,7 +30901,7 @@
               </a:rPr>
               <a:t>Рассказать о перегрузке основных операторов в С++</a:t>
             </a:r>
-            <a:endParaRPr sz="1400" b="0" i="0" u="none" strike="noStrike" cap="none">
+            <a:endParaRPr sz="1400" b="0" i="0" u="none" strike="noStrike" cap="none" dirty="0">
               <a:solidFill>
                 <a:schemeClr val="dk1"/>
               </a:solidFill>
@@ -30511,7 +30927,7 @@
               <a:buChar char="●"/>
             </a:pPr>
             <a:r>
-              <a:rPr lang="ru-RU" sz="1400" b="0" i="0" u="none" strike="noStrike" cap="none">
+              <a:rPr lang="ru-RU" sz="1400" b="0" i="0" u="none" strike="noStrike" cap="none" dirty="0">
                 <a:solidFill>
                   <a:srgbClr val="000000"/>
                 </a:solidFill>
@@ -30522,7 +30938,7 @@
               </a:rPr>
               <a:t>Рассказать о деструкторах</a:t>
             </a:r>
-            <a:endParaRPr/>
+            <a:endParaRPr dirty="0"/>
           </a:p>
           <a:p>
             <a:pPr marL="0" marR="0" lvl="0" indent="0" algn="l" rtl="0">
@@ -30538,7 +30954,7 @@
               <a:buNone/>
             </a:pPr>
             <a:r>
-              <a:rPr lang="ru-RU" sz="1800" b="0" i="0" u="none" strike="noStrike" cap="none">
+              <a:rPr lang="ru-RU" sz="1800" b="0" i="0" u="none" strike="noStrike" cap="none" dirty="0">
                 <a:solidFill>
                   <a:schemeClr val="dk1"/>
                 </a:solidFill>
@@ -30550,7 +30966,7 @@
               <a:t/>
             </a:r>
             <a:br>
-              <a:rPr lang="ru-RU" sz="1800" b="0" i="0" u="none" strike="noStrike" cap="none">
+              <a:rPr lang="ru-RU" sz="1800" b="0" i="0" u="none" strike="noStrike" cap="none" dirty="0">
                 <a:solidFill>
                   <a:schemeClr val="dk1"/>
                 </a:solidFill>
@@ -30561,7 +30977,7 @@
               </a:rPr>
             </a:br>
             <a:r>
-              <a:rPr lang="ru-RU" sz="1600" b="1" i="0" u="none" strike="noStrike" cap="none">
+              <a:rPr lang="ru-RU" sz="1600" b="1" i="0" u="none" strike="noStrike" cap="none" dirty="0">
                 <a:solidFill>
                   <a:srgbClr val="000000"/>
                 </a:solidFill>
@@ -30572,7 +30988,7 @@
               </a:rPr>
               <a:t>По результатам занятия слушатель будет знать: </a:t>
             </a:r>
-            <a:endParaRPr sz="1600" b="0" i="0" u="none" strike="noStrike" cap="none">
+            <a:endParaRPr sz="1600" b="0" i="0" u="none" strike="noStrike" cap="none" dirty="0">
               <a:solidFill>
                 <a:schemeClr val="dk1"/>
               </a:solidFill>
@@ -30595,7 +31011,7 @@
               </a:spcAft>
               <a:buNone/>
             </a:pPr>
-            <a:endParaRPr sz="1600" b="0" i="0" u="none" strike="noStrike" cap="none">
+            <a:endParaRPr sz="1600" b="0" i="0" u="none" strike="noStrike" cap="none" dirty="0">
               <a:solidFill>
                 <a:schemeClr val="dk1"/>
               </a:solidFill>
@@ -30624,7 +31040,7 @@
               <a:buChar char="•"/>
             </a:pPr>
             <a:r>
-              <a:rPr lang="ru-RU" sz="1400" b="0" i="0" u="none" strike="noStrike" cap="none">
+              <a:rPr lang="ru-RU" sz="1400" b="0" i="0" u="none" strike="noStrike" cap="none" dirty="0">
                 <a:solidFill>
                   <a:srgbClr val="000000"/>
                 </a:solidFill>
@@ -30635,7 +31051,7 @@
               </a:rPr>
               <a:t>Как использовать полиморфизм для взаимодействия объектов класса между собой и не только</a:t>
             </a:r>
-            <a:endParaRPr sz="1400" b="0" i="0" u="none" strike="noStrike" cap="none">
+            <a:endParaRPr sz="1400" b="0" i="0" u="none" strike="noStrike" cap="none" dirty="0">
               <a:solidFill>
                 <a:schemeClr val="dk1"/>
               </a:solidFill>
@@ -31050,7 +31466,7 @@
               <a:buNone/>
             </a:pPr>
             <a:r>
-              <a:rPr lang="ru-RU" sz="1600" b="1" i="0" u="none" strike="noStrike" cap="none">
+              <a:rPr lang="ru-RU" sz="1600" b="1" i="0" u="none" strike="noStrike" cap="none" dirty="0">
                 <a:solidFill>
                   <a:srgbClr val="000000"/>
                 </a:solidFill>
@@ -31062,7 +31478,7 @@
               <a:t>По результатам занятия слушатель будет уметь:</a:t>
             </a:r>
             <a:r>
-              <a:rPr lang="ru-RU" sz="1200" b="1" i="0" u="none" strike="noStrike" cap="none">
+              <a:rPr lang="ru-RU" sz="1200" b="1" i="0" u="none" strike="noStrike" cap="none" dirty="0">
                 <a:solidFill>
                   <a:srgbClr val="000000"/>
                 </a:solidFill>
@@ -31073,7 +31489,7 @@
               </a:rPr>
               <a:t> </a:t>
             </a:r>
-            <a:endParaRPr sz="1200" b="0" i="0" u="none" strike="noStrike" cap="none">
+            <a:endParaRPr sz="1200" b="0" i="0" u="none" strike="noStrike" cap="none" dirty="0">
               <a:solidFill>
                 <a:schemeClr val="dk1"/>
               </a:solidFill>
@@ -31096,7 +31512,7 @@
               </a:spcAft>
               <a:buNone/>
             </a:pPr>
-            <a:endParaRPr sz="1200" b="0" i="0" u="none" strike="noStrike" cap="none">
+            <a:endParaRPr sz="1200" b="0" i="0" u="none" strike="noStrike" cap="none" dirty="0">
               <a:solidFill>
                 <a:schemeClr val="dk1"/>
               </a:solidFill>
@@ -31125,7 +31541,7 @@
               <a:buChar char="•"/>
             </a:pPr>
             <a:r>
-              <a:rPr lang="ru-RU" sz="1400" b="0" i="0" u="none" strike="noStrike" cap="none">
+              <a:rPr lang="ru-RU" sz="1400" b="0" i="0" u="none" strike="noStrike" cap="none" dirty="0">
                 <a:solidFill>
                   <a:srgbClr val="000000"/>
                 </a:solidFill>
@@ -31136,7 +31552,7 @@
               </a:rPr>
               <a:t> Создавать иерархическую структуру с помощью наследования классов</a:t>
             </a:r>
-            <a:endParaRPr sz="1400" b="0" i="0" u="none" strike="noStrike" cap="none">
+            <a:endParaRPr sz="1400" b="0" i="0" u="none" strike="noStrike" cap="none" dirty="0">
               <a:solidFill>
                 <a:schemeClr val="dk1"/>
               </a:solidFill>
@@ -31162,7 +31578,7 @@
               <a:buChar char="●"/>
             </a:pPr>
             <a:r>
-              <a:rPr lang="ru-RU" sz="1400" b="0" i="0" u="none" strike="noStrike" cap="none">
+              <a:rPr lang="ru-RU" sz="1400" b="0" i="0" u="none" strike="noStrike" cap="none" dirty="0">
                 <a:solidFill>
                   <a:schemeClr val="dk1"/>
                 </a:solidFill>
@@ -31171,9 +31587,33 @@
                 <a:cs typeface="Arial"/>
                 <a:sym typeface="Arial"/>
               </a:rPr>
-              <a:t>Структурировать проект (разбиение определение класса на *.h и *.cpp файлы)</a:t>
+              <a:t>Структурировать проект (разбиение определение класса на *.h и *.</a:t>
             </a:r>
-            <a:endParaRPr sz="1400" b="0" i="0" u="none" strike="noStrike" cap="none">
+            <a:r>
+              <a:rPr lang="ru-RU" sz="1400" b="0" i="0" u="none" strike="noStrike" cap="none" dirty="0" err="1">
+                <a:solidFill>
+                  <a:schemeClr val="dk1"/>
+                </a:solidFill>
+                <a:latin typeface="Arial"/>
+                <a:ea typeface="Arial"/>
+                <a:cs typeface="Arial"/>
+                <a:sym typeface="Arial"/>
+              </a:rPr>
+              <a:t>cpp</a:t>
+            </a:r>
+            <a:r>
+              <a:rPr lang="ru-RU" sz="1400" b="0" i="0" u="none" strike="noStrike" cap="none" dirty="0">
+                <a:solidFill>
+                  <a:schemeClr val="dk1"/>
+                </a:solidFill>
+                <a:latin typeface="Arial"/>
+                <a:ea typeface="Arial"/>
+                <a:cs typeface="Arial"/>
+                <a:sym typeface="Arial"/>
+              </a:rPr>
+              <a:t> файлы)</a:t>
+            </a:r>
+            <a:endParaRPr sz="1400" b="0" i="0" u="none" strike="noStrike" cap="none" dirty="0">
               <a:solidFill>
                 <a:schemeClr val="dk1"/>
               </a:solidFill>
@@ -31198,7 +31638,7 @@
               <a:buFont typeface="Noto Sans Symbols"/>
               <a:buNone/>
             </a:pPr>
-            <a:endParaRPr sz="1400" b="0" i="0" u="none" strike="noStrike" cap="none">
+            <a:endParaRPr sz="1400" b="0" i="0" u="none" strike="noStrike" cap="none" dirty="0">
               <a:solidFill>
                 <a:schemeClr val="dk1"/>
               </a:solidFill>
@@ -31222,7 +31662,7 @@
               <a:buNone/>
             </a:pPr>
             <a:r>
-              <a:rPr lang="ru-RU" sz="1600" b="1" i="0" u="none" strike="noStrike" cap="none">
+              <a:rPr lang="ru-RU" sz="1600" b="1" i="0" u="none" strike="noStrike" cap="none" dirty="0" err="1">
                 <a:solidFill>
                   <a:srgbClr val="000000"/>
                 </a:solidFill>
@@ -31231,9 +31671,21 @@
                 <a:cs typeface="Calibri"/>
                 <a:sym typeface="Calibri"/>
               </a:rPr>
-              <a:t>Тайминг занятия</a:t>
+              <a:t>Тайминг</a:t>
             </a:r>
-            <a:endParaRPr sz="1600" b="0" i="0" u="none" strike="noStrike" cap="none">
+            <a:r>
+              <a:rPr lang="ru-RU" sz="1600" b="1" i="0" u="none" strike="noStrike" cap="none" dirty="0">
+                <a:solidFill>
+                  <a:srgbClr val="000000"/>
+                </a:solidFill>
+                <a:latin typeface="Calibri"/>
+                <a:ea typeface="Calibri"/>
+                <a:cs typeface="Calibri"/>
+                <a:sym typeface="Calibri"/>
+              </a:rPr>
+              <a:t> занятия</a:t>
+            </a:r>
+            <a:endParaRPr sz="1600" b="0" i="0" u="none" strike="noStrike" cap="none" dirty="0">
               <a:solidFill>
                 <a:schemeClr val="dk1"/>
               </a:solidFill>
@@ -34836,7 +35288,7 @@
               <a:buNone/>
             </a:pPr>
             <a:r>
-              <a:rPr lang="ru-RU" sz="1800" b="0" i="0" u="none" strike="noStrike" cap="none">
+              <a:rPr lang="ru-RU" sz="1800" b="0" i="0" u="none" strike="noStrike" cap="none" dirty="0">
                 <a:solidFill>
                   <a:schemeClr val="dk1"/>
                 </a:solidFill>
@@ -34847,7 +35299,7 @@
               </a:rPr>
               <a:t>Создание новых классов в отдельных файлах является хорошим тоном, так как это делает код более удобочитаемым и его легче поддерживать в дальнейшем. Возьмём за правило- для классов создавать 2 файла:</a:t>
             </a:r>
-            <a:endParaRPr sz="1800" b="0" i="0" u="none" strike="noStrike" cap="none">
+            <a:endParaRPr sz="1800" b="0" i="0" u="none" strike="noStrike" cap="none" dirty="0">
               <a:solidFill>
                 <a:schemeClr val="dk1"/>
               </a:solidFill>
@@ -35080,7 +35532,7 @@
               <a:buNone/>
             </a:pPr>
             <a:r>
-              <a:rPr lang="ru-RU" sz="1800" b="0" i="0" u="none" strike="noStrike" cap="none">
+              <a:rPr lang="ru-RU" sz="1800" b="0" i="0" u="none" strike="noStrike" cap="none" dirty="0">
                 <a:solidFill>
                   <a:schemeClr val="dk1"/>
                 </a:solidFill>
@@ -35091,7 +35543,7 @@
               </a:rPr>
               <a:t>* - название класса.</a:t>
             </a:r>
-            <a:endParaRPr/>
+            <a:endParaRPr dirty="0"/>
           </a:p>
           <a:p>
             <a:pPr marL="0" marR="0" lvl="0" indent="0" algn="l" rtl="0">
@@ -35107,7 +35559,7 @@
               <a:buNone/>
             </a:pPr>
             <a:r>
-              <a:rPr lang="ru-RU" sz="1800" b="0" i="0" u="none" strike="noStrike" cap="none">
+              <a:rPr lang="ru-RU" sz="1800" b="0" i="0" u="none" strike="noStrike" cap="none" dirty="0">
                 <a:solidFill>
                   <a:schemeClr val="dk1"/>
                 </a:solidFill>
@@ -35118,7 +35570,7 @@
               </a:rPr>
               <a:t>*.h – заголовочный файл, содержащий в себе объявления функций (их прототипы) и объявления переменных (полей класса).</a:t>
             </a:r>
-            <a:endParaRPr sz="1800" b="0" i="0" u="none" strike="noStrike" cap="none">
+            <a:endParaRPr sz="1800" b="0" i="0" u="none" strike="noStrike" cap="none" dirty="0">
               <a:solidFill>
                 <a:schemeClr val="dk1"/>
               </a:solidFill>
@@ -35142,7 +35594,7 @@
               <a:buNone/>
             </a:pPr>
             <a:r>
-              <a:rPr lang="ru-RU" sz="1800" b="0" i="0" u="none" strike="noStrike" cap="none">
+              <a:rPr lang="ru-RU" sz="1800" b="0" i="0" u="none" strike="noStrike" cap="none" dirty="0">
                 <a:solidFill>
                   <a:schemeClr val="dk1"/>
                 </a:solidFill>
@@ -35151,9 +35603,33 @@
                 <a:cs typeface="Calibri"/>
                 <a:sym typeface="Calibri"/>
               </a:rPr>
-              <a:t>*.cpp – исходный файл, который предоставляет реализацию методов, описанных (прототипами) в *.h файле.</a:t>
+              <a:t>*.</a:t>
             </a:r>
-            <a:endParaRPr sz="1800" b="0" i="0" u="none" strike="noStrike" cap="none">
+            <a:r>
+              <a:rPr lang="ru-RU" sz="1800" b="0" i="0" u="none" strike="noStrike" cap="none" dirty="0" err="1">
+                <a:solidFill>
+                  <a:schemeClr val="dk1"/>
+                </a:solidFill>
+                <a:latin typeface="Calibri"/>
+                <a:ea typeface="Calibri"/>
+                <a:cs typeface="Calibri"/>
+                <a:sym typeface="Calibri"/>
+              </a:rPr>
+              <a:t>cpp</a:t>
+            </a:r>
+            <a:r>
+              <a:rPr lang="ru-RU" sz="1800" b="0" i="0" u="none" strike="noStrike" cap="none" dirty="0">
+                <a:solidFill>
+                  <a:schemeClr val="dk1"/>
+                </a:solidFill>
+                <a:latin typeface="Calibri"/>
+                <a:ea typeface="Calibri"/>
+                <a:cs typeface="Calibri"/>
+                <a:sym typeface="Calibri"/>
+              </a:rPr>
+              <a:t> – исходный файл, который предоставляет реализацию методов, описанных (прототипами) в *.h файле.</a:t>
+            </a:r>
+            <a:endParaRPr sz="1800" b="0" i="0" u="none" strike="noStrike" cap="none" dirty="0">
               <a:solidFill>
                 <a:schemeClr val="dk1"/>
               </a:solidFill>
@@ -35736,7 +36212,7 @@
               <a:buNone/>
             </a:pPr>
             <a:r>
-              <a:rPr lang="ru-RU" sz="1800" b="0" i="0" u="none" strike="noStrike" cap="none">
+              <a:rPr lang="ru-RU" sz="1800" b="0" i="0" u="none" strike="noStrike" cap="none" dirty="0">
                 <a:solidFill>
                   <a:schemeClr val="dk1"/>
                 </a:solidFill>
@@ -35747,7 +36223,7 @@
               </a:rPr>
               <a:t>Два двоеточия – оператор доступа к области видимости (используется для определения методов класса, которые уже были объявлены в пространстве имён класса в заголовочном файле)</a:t>
             </a:r>
-            <a:endParaRPr sz="1800" b="0" i="0" u="none" strike="noStrike" cap="none">
+            <a:endParaRPr sz="1800" b="0" i="0" u="none" strike="noStrike" cap="none" dirty="0">
               <a:solidFill>
                 <a:schemeClr val="dk1"/>
               </a:solidFill>
@@ -36386,7 +36862,7 @@
               <a:buNone/>
             </a:pPr>
             <a:r>
-              <a:rPr lang="ru-RU" sz="1800" b="0" i="0" u="none" strike="noStrike" cap="none">
+              <a:rPr lang="ru-RU" sz="1800" b="0" i="0" u="none" strike="noStrike" cap="none" dirty="0">
                 <a:solidFill>
                   <a:schemeClr val="dk1"/>
                 </a:solidFill>
@@ -36397,7 +36873,7 @@
               </a:rPr>
               <a:t>Для создания объекта класса, объявленного в заголовочном файле (.h), достаточно подключить в текущий файл заголовочный файл класса.</a:t>
             </a:r>
-            <a:endParaRPr/>
+            <a:endParaRPr dirty="0"/>
           </a:p>
           <a:p>
             <a:pPr marL="0" marR="0" lvl="0" indent="0" algn="l" rtl="0">
@@ -36412,7 +36888,7 @@
               </a:spcAft>
               <a:buNone/>
             </a:pPr>
-            <a:endParaRPr sz="1800" b="0" i="0" u="none" strike="noStrike" cap="none">
+            <a:endParaRPr sz="1800" b="0" i="0" u="none" strike="noStrike" cap="none" dirty="0">
               <a:solidFill>
                 <a:schemeClr val="dk1"/>
               </a:solidFill>
@@ -36435,7 +36911,7 @@
               </a:spcAft>
               <a:buNone/>
             </a:pPr>
-            <a:endParaRPr sz="1800" b="0" i="0" u="none" strike="noStrike" cap="none">
+            <a:endParaRPr sz="1800" b="0" i="0" u="none" strike="noStrike" cap="none" dirty="0">
               <a:solidFill>
                 <a:schemeClr val="dk1"/>
               </a:solidFill>
@@ -37102,7 +37578,7 @@
         </p:nvSpPr>
         <p:spPr>
           <a:xfrm>
-            <a:off x="614880" y="1693996"/>
+            <a:off x="690120" y="1586965"/>
             <a:ext cx="7891200" cy="4692404"/>
           </a:xfrm>
           <a:prstGeom prst="rect">
@@ -37132,7 +37608,7 @@
               <a:buNone/>
             </a:pPr>
             <a:r>
-              <a:rPr lang="ru-RU" sz="1800" b="0" i="0" u="none" strike="noStrike" cap="none">
+              <a:rPr lang="ru-RU" sz="1800" b="1" i="0" u="none" strike="noStrike" cap="none" dirty="0" smtClean="0">
                 <a:solidFill>
                   <a:schemeClr val="dk1"/>
                 </a:solidFill>
@@ -37141,10 +37617,71 @@
                 <a:cs typeface="Calibri"/>
                 <a:sym typeface="Calibri"/>
               </a:rPr>
-              <a:t>Помимо конструкторов, также в классе объявляется и деструктор. Как и конструктор, деструктор является специальной функцией/методом. Он вызывается при уничтожении или удалении объекта </a:t>
+              <a:t>Деструктор</a:t>
+            </a:r>
+          </a:p>
+          <a:p>
+            <a:pPr marL="0" marR="0" lvl="0" indent="0" algn="l" rtl="0">
+              <a:lnSpc>
+                <a:spcPct val="100000"/>
+              </a:lnSpc>
+              <a:spcBef>
+                <a:spcPts val="0"/>
+              </a:spcBef>
+              <a:spcAft>
+                <a:spcPts val="0"/>
+              </a:spcAft>
+              <a:buNone/>
+            </a:pPr>
+            <a:endParaRPr lang="ru-RU" sz="1800" dirty="0">
+              <a:solidFill>
+                <a:schemeClr val="dk1"/>
+              </a:solidFill>
+              <a:latin typeface="Calibri"/>
+              <a:ea typeface="Calibri"/>
+              <a:cs typeface="Calibri"/>
+              <a:sym typeface="Calibri"/>
+            </a:endParaRPr>
+          </a:p>
+          <a:p>
+            <a:pPr marL="0" marR="0" lvl="0" indent="0" algn="l" rtl="0">
+              <a:lnSpc>
+                <a:spcPct val="100000"/>
+              </a:lnSpc>
+              <a:spcBef>
+                <a:spcPts val="0"/>
+              </a:spcBef>
+              <a:spcAft>
+                <a:spcPts val="0"/>
+              </a:spcAft>
+              <a:buNone/>
+            </a:pPr>
+            <a:r>
+              <a:rPr lang="ru-RU" sz="1800" b="0" i="0" u="none" strike="noStrike" cap="none" dirty="0" smtClean="0">
+                <a:solidFill>
+                  <a:schemeClr val="dk1"/>
+                </a:solidFill>
+                <a:latin typeface="Calibri"/>
+                <a:ea typeface="Calibri"/>
+                <a:cs typeface="Calibri"/>
+                <a:sym typeface="Calibri"/>
+              </a:rPr>
+              <a:t>Помимо </a:t>
             </a:r>
             <a:r>
-              <a:rPr lang="ru-RU" sz="1800">
+              <a:rPr lang="ru-RU" sz="1800" b="0" i="0" u="none" strike="noStrike" cap="none" dirty="0">
+                <a:solidFill>
+                  <a:schemeClr val="dk1"/>
+                </a:solidFill>
+                <a:latin typeface="Calibri"/>
+                <a:ea typeface="Calibri"/>
+                <a:cs typeface="Calibri"/>
+                <a:sym typeface="Calibri"/>
+              </a:rPr>
+              <a:t>конструкторов, также в классе объявляется и деструктор. Как и конструктор, деструктор является специальной функцией/методом. Он вызывается при уничтожении или удалении объекта </a:t>
+            </a:r>
+            <a:r>
+              <a:rPr lang="ru-RU" sz="1800" dirty="0">
                 <a:solidFill>
                   <a:schemeClr val="dk1"/>
                 </a:solidFill>
@@ -37156,7 +37693,7 @@
               <a:t>класса</a:t>
             </a:r>
             <a:r>
-              <a:rPr lang="ru-RU" sz="1800" b="0" i="0" u="none" strike="noStrike" cap="none">
+              <a:rPr lang="ru-RU" sz="1800" b="0" i="0" u="none" strike="noStrike" cap="none" dirty="0">
                 <a:solidFill>
                   <a:schemeClr val="dk1"/>
                 </a:solidFill>
@@ -37167,7 +37704,7 @@
               </a:rPr>
               <a:t>. Таким образом, «жизненный цикл» объекта класса выглядит следующим образом:</a:t>
             </a:r>
-            <a:endParaRPr/>
+            <a:endParaRPr dirty="0"/>
           </a:p>
           <a:p>
             <a:pPr marL="0" marR="0" lvl="0" indent="0" algn="l" rtl="0">
@@ -37182,7 +37719,7 @@
               </a:spcAft>
               <a:buNone/>
             </a:pPr>
-            <a:endParaRPr sz="1800" b="0" i="0" u="none" strike="noStrike" cap="none">
+            <a:endParaRPr sz="1800" b="0" i="0" u="none" strike="noStrike" cap="none" dirty="0">
               <a:solidFill>
                 <a:schemeClr val="dk1"/>
               </a:solidFill>
@@ -37211,7 +37748,7 @@
               <a:buAutoNum type="arabicPeriod"/>
             </a:pPr>
             <a:r>
-              <a:rPr lang="ru-RU" sz="1800" b="0" i="0" u="none" strike="noStrike" cap="none">
+              <a:rPr lang="ru-RU" sz="1800" b="0" i="0" u="none" strike="noStrike" cap="none" dirty="0">
                 <a:solidFill>
                   <a:schemeClr val="dk1"/>
                 </a:solidFill>
@@ -37222,7 +37759,7 @@
               </a:rPr>
               <a:t>Создание объекта (вызов конструктора)</a:t>
             </a:r>
-            <a:endParaRPr/>
+            <a:endParaRPr dirty="0"/>
           </a:p>
           <a:p>
             <a:pPr marL="342900" marR="0" lvl="0" indent="-342900" algn="l" rtl="0">
@@ -37243,7 +37780,7 @@
               <a:buAutoNum type="arabicPeriod"/>
             </a:pPr>
             <a:r>
-              <a:rPr lang="ru-RU" sz="1800" b="0" i="0" u="none" strike="noStrike" cap="none">
+              <a:rPr lang="ru-RU" sz="1800" b="0" i="0" u="none" strike="noStrike" cap="none" dirty="0">
                 <a:solidFill>
                   <a:schemeClr val="dk1"/>
                 </a:solidFill>
@@ -37254,7 +37791,7 @@
               </a:rPr>
               <a:t>Работа с объектом (вызов его методов и т д)</a:t>
             </a:r>
-            <a:endParaRPr/>
+            <a:endParaRPr dirty="0"/>
           </a:p>
           <a:p>
             <a:pPr marL="342900" marR="0" lvl="0" indent="-342900" algn="l" rtl="0">
@@ -37275,7 +37812,7 @@
               <a:buAutoNum type="arabicPeriod"/>
             </a:pPr>
             <a:r>
-              <a:rPr lang="ru-RU" sz="1800" b="0" i="0" u="none" strike="noStrike" cap="none">
+              <a:rPr lang="ru-RU" sz="1800" b="0" i="0" u="none" strike="noStrike" cap="none" dirty="0">
                 <a:solidFill>
                   <a:schemeClr val="dk1"/>
                 </a:solidFill>
@@ -37286,7 +37823,7 @@
               </a:rPr>
               <a:t>Уничтожение объекта (вызов деструктора)</a:t>
             </a:r>
-            <a:endParaRPr/>
+            <a:endParaRPr dirty="0"/>
           </a:p>
           <a:p>
             <a:pPr marL="342900" marR="0" lvl="0" indent="-228600" algn="l" rtl="0">
@@ -37306,7 +37843,7 @@
               <a:buFont typeface="Arial"/>
               <a:buNone/>
             </a:pPr>
-            <a:endParaRPr sz="1800" b="0" i="0" u="none" strike="noStrike" cap="none">
+            <a:endParaRPr sz="1800" b="0" i="0" u="none" strike="noStrike" cap="none" dirty="0">
               <a:solidFill>
                 <a:schemeClr val="dk1"/>
               </a:solidFill>
@@ -37330,7 +37867,7 @@
               <a:buNone/>
             </a:pPr>
             <a:r>
-              <a:rPr lang="ru-RU" sz="1800" b="0" i="0" u="none" strike="noStrike" cap="none">
+              <a:rPr lang="ru-RU" sz="1800" b="0" i="0" u="none" strike="noStrike" cap="none" dirty="0">
                 <a:solidFill>
                   <a:schemeClr val="dk1"/>
                 </a:solidFill>
@@ -37341,7 +37878,7 @@
               </a:rPr>
               <a:t>В отличие от конструктора (которых может быть сколь угодно много), деструктор только один. Он не принимает никаких аргументов и ничего не возвращает.</a:t>
             </a:r>
-            <a:endParaRPr/>
+            <a:endParaRPr dirty="0"/>
           </a:p>
           <a:p>
             <a:pPr marL="0" marR="0" lvl="0" indent="0" algn="l" rtl="0">
@@ -37356,7 +37893,7 @@
               </a:spcAft>
               <a:buNone/>
             </a:pPr>
-            <a:endParaRPr sz="1800" b="0" i="0" u="none" strike="noStrike" cap="none">
+            <a:endParaRPr sz="1800" b="0" i="0" u="none" strike="noStrike" cap="none" dirty="0">
               <a:solidFill>
                 <a:schemeClr val="dk1"/>
               </a:solidFill>
@@ -37380,7 +37917,7 @@
               <a:buNone/>
             </a:pPr>
             <a:r>
-              <a:rPr lang="ru-RU" sz="1800" b="0" i="0" u="none" strike="noStrike" cap="none">
+              <a:rPr lang="ru-RU" sz="1800" b="0" i="0" u="none" strike="noStrike" cap="none" dirty="0">
                 <a:solidFill>
                   <a:schemeClr val="dk1"/>
                 </a:solidFill>
@@ -37389,9 +37926,57 @@
                 <a:cs typeface="Calibri"/>
                 <a:sym typeface="Calibri"/>
               </a:rPr>
-              <a:t>Объекты класса уничтожаются при выходе за пределы видимости вызова конструктора (например, тело функции main), или при применении выражения delete к указателю, направленному на объект класса.</a:t>
+              <a:t>Объекты класса уничтожаются при выходе за пределы видимости вызова конструктора (например, тело функции </a:t>
             </a:r>
-            <a:endParaRPr/>
+            <a:r>
+              <a:rPr lang="ru-RU" sz="1800" b="0" i="0" u="none" strike="noStrike" cap="none" dirty="0" err="1">
+                <a:solidFill>
+                  <a:schemeClr val="dk1"/>
+                </a:solidFill>
+                <a:latin typeface="Calibri"/>
+                <a:ea typeface="Calibri"/>
+                <a:cs typeface="Calibri"/>
+                <a:sym typeface="Calibri"/>
+              </a:rPr>
+              <a:t>main</a:t>
+            </a:r>
+            <a:r>
+              <a:rPr lang="ru-RU" sz="1800" b="0" i="0" u="none" strike="noStrike" cap="none" dirty="0">
+                <a:solidFill>
+                  <a:schemeClr val="dk1"/>
+                </a:solidFill>
+                <a:latin typeface="Calibri"/>
+                <a:ea typeface="Calibri"/>
+                <a:cs typeface="Calibri"/>
+                <a:sym typeface="Calibri"/>
+              </a:rPr>
+              <a:t>), или при применении выражения </a:t>
+            </a:r>
+            <a:r>
+              <a:rPr lang="ru-RU" sz="1800" b="0" i="0" u="none" strike="noStrike" cap="none" dirty="0" err="1">
+                <a:solidFill>
+                  <a:schemeClr val="dk1"/>
+                </a:solidFill>
+                <a:latin typeface="Calibri"/>
+                <a:ea typeface="Calibri"/>
+                <a:cs typeface="Calibri"/>
+                <a:sym typeface="Calibri"/>
+              </a:rPr>
+              <a:t>delete</a:t>
+            </a:r>
+            <a:r>
+              <a:rPr lang="ru-RU" sz="1800" b="0" i="0" u="none" strike="noStrike" cap="none" dirty="0">
+                <a:solidFill>
+                  <a:schemeClr val="dk1"/>
+                </a:solidFill>
+                <a:latin typeface="Calibri"/>
+                <a:ea typeface="Calibri"/>
+                <a:cs typeface="Calibri"/>
+                <a:sym typeface="Calibri"/>
+              </a:rPr>
+              <a:t> к указателю, направленному на объект класса.</a:t>
+            </a:r>
+            <a:endParaRPr dirty="0"/>
           </a:p>
           <a:p>
             <a:pPr marL="342900" marR="0" lvl="0" indent="-228600" algn="l" rtl="0">
@@ -37411,7 +37996,7 @@
               <a:buFont typeface="Arial"/>
               <a:buNone/>
             </a:pPr>
-            <a:endParaRPr sz="1800" b="0" i="0" u="none" strike="noStrike" cap="none">
+            <a:endParaRPr sz="1800" b="0" i="0" u="none" strike="noStrike" cap="none" dirty="0">
               <a:solidFill>
                 <a:schemeClr val="dk1"/>
               </a:solidFill>
